--- a/Création d’un Morpion en C++.pptx
+++ b/Création d’un Morpion en C++.pptx
@@ -4,6 +4,12 @@
   <p:sldMasterIdLst>
     <p:sldMasterId id="2147483669" r:id="rId1"/>
   </p:sldMasterIdLst>
+  <p:notesMasterIdLst>
+    <p:notesMasterId r:id="rId11"/>
+  </p:notesMasterIdLst>
+  <p:handoutMasterIdLst>
+    <p:handoutMasterId r:id="rId12"/>
+  </p:handoutMasterIdLst>
   <p:sldIdLst>
     <p:sldId id="256" r:id="rId2"/>
     <p:sldId id="257" r:id="rId3"/>
@@ -112,7 +118,613 @@
       </a:defRPr>
     </a:lvl9pPr>
   </p:defaultTextStyle>
+  <p:extLst>
+    <p:ext uri="{EFAFB233-063F-42B5-8137-9DF3F51BA10A}">
+      <p15:sldGuideLst xmlns:p15="http://schemas.microsoft.com/office/powerpoint/2012/main"/>
+    </p:ext>
+  </p:extLst>
 </p:presentation>
+</file>
+
+<file path=ppt/handoutMasters/handoutMaster1.xml><?xml version="1.0" encoding="utf-8"?>
+<p:handoutMaster xmlns:a="http://schemas.openxmlformats.org/drawingml/2006/main" xmlns:r="http://schemas.openxmlformats.org/officeDocument/2006/relationships" xmlns:p="http://schemas.openxmlformats.org/presentationml/2006/main">
+  <p:cSld>
+    <p:bg>
+      <p:bgRef idx="1001">
+        <a:schemeClr val="bg1"/>
+      </p:bgRef>
+    </p:bg>
+    <p:spTree>
+      <p:nvGrpSpPr>
+        <p:cNvPr id="1" name=""/>
+        <p:cNvGrpSpPr/>
+        <p:nvPr/>
+      </p:nvGrpSpPr>
+      <p:grpSpPr>
+        <a:xfrm>
+          <a:off x="0" y="0"/>
+          <a:ext cx="0" cy="0"/>
+          <a:chOff x="0" y="0"/>
+          <a:chExt cx="0" cy="0"/>
+        </a:xfrm>
+      </p:grpSpPr>
+      <p:sp>
+        <p:nvSpPr>
+          <p:cNvPr id="2" name="Espace réservé de l'en-tête 1"/>
+          <p:cNvSpPr>
+            <a:spLocks noGrp="1"/>
+          </p:cNvSpPr>
+          <p:nvPr>
+            <p:ph type="hdr" sz="quarter"/>
+          </p:nvPr>
+        </p:nvSpPr>
+        <p:spPr>
+          <a:xfrm>
+            <a:off x="0" y="0"/>
+            <a:ext cx="2971800" cy="458788"/>
+          </a:xfrm>
+          <a:prstGeom prst="rect">
+            <a:avLst/>
+          </a:prstGeom>
+        </p:spPr>
+        <p:txBody>
+          <a:bodyPr vert="horz" lIns="91440" tIns="45720" rIns="91440" bIns="45720" rtlCol="0"/>
+          <a:lstStyle>
+            <a:lvl1pPr algn="l">
+              <a:defRPr sz="1200"/>
+            </a:lvl1pPr>
+          </a:lstStyle>
+          <a:p>
+            <a:endParaRPr lang="fr-FR"/>
+          </a:p>
+        </p:txBody>
+      </p:sp>
+      <p:sp>
+        <p:nvSpPr>
+          <p:cNvPr id="3" name="Espace réservé de la date 2"/>
+          <p:cNvSpPr>
+            <a:spLocks noGrp="1"/>
+          </p:cNvSpPr>
+          <p:nvPr>
+            <p:ph type="dt" sz="quarter" idx="1"/>
+          </p:nvPr>
+        </p:nvSpPr>
+        <p:spPr>
+          <a:xfrm>
+            <a:off x="3884613" y="0"/>
+            <a:ext cx="2971800" cy="458788"/>
+          </a:xfrm>
+          <a:prstGeom prst="rect">
+            <a:avLst/>
+          </a:prstGeom>
+        </p:spPr>
+        <p:txBody>
+          <a:bodyPr vert="horz" lIns="91440" tIns="45720" rIns="91440" bIns="45720" rtlCol="0"/>
+          <a:lstStyle>
+            <a:lvl1pPr algn="r">
+              <a:defRPr sz="1200"/>
+            </a:lvl1pPr>
+          </a:lstStyle>
+          <a:p>
+            <a:fld id="{E716FFD4-C7A2-42C1-81DE-EE2104C95748}" type="datetimeFigureOut">
+              <a:rPr lang="fr-FR" smtClean="0"/>
+              <a:t>21/04/2016</a:t>
+            </a:fld>
+            <a:endParaRPr lang="fr-FR"/>
+          </a:p>
+        </p:txBody>
+      </p:sp>
+      <p:sp>
+        <p:nvSpPr>
+          <p:cNvPr id="4" name="Espace réservé du pied de page 3"/>
+          <p:cNvSpPr>
+            <a:spLocks noGrp="1"/>
+          </p:cNvSpPr>
+          <p:nvPr>
+            <p:ph type="ftr" sz="quarter" idx="2"/>
+          </p:nvPr>
+        </p:nvSpPr>
+        <p:spPr>
+          <a:xfrm>
+            <a:off x="0" y="8685213"/>
+            <a:ext cx="2971800" cy="458787"/>
+          </a:xfrm>
+          <a:prstGeom prst="rect">
+            <a:avLst/>
+          </a:prstGeom>
+        </p:spPr>
+        <p:txBody>
+          <a:bodyPr vert="horz" lIns="91440" tIns="45720" rIns="91440" bIns="45720" rtlCol="0" anchor="b"/>
+          <a:lstStyle>
+            <a:lvl1pPr algn="l">
+              <a:defRPr sz="1200"/>
+            </a:lvl1pPr>
+          </a:lstStyle>
+          <a:p>
+            <a:endParaRPr lang="fr-FR"/>
+          </a:p>
+        </p:txBody>
+      </p:sp>
+      <p:sp>
+        <p:nvSpPr>
+          <p:cNvPr id="5" name="Espace réservé du numéro de diapositive 4"/>
+          <p:cNvSpPr>
+            <a:spLocks noGrp="1"/>
+          </p:cNvSpPr>
+          <p:nvPr>
+            <p:ph type="sldNum" sz="quarter" idx="3"/>
+          </p:nvPr>
+        </p:nvSpPr>
+        <p:spPr>
+          <a:xfrm>
+            <a:off x="3884613" y="8685213"/>
+            <a:ext cx="2971800" cy="458787"/>
+          </a:xfrm>
+          <a:prstGeom prst="rect">
+            <a:avLst/>
+          </a:prstGeom>
+        </p:spPr>
+        <p:txBody>
+          <a:bodyPr vert="horz" lIns="91440" tIns="45720" rIns="91440" bIns="45720" rtlCol="0" anchor="b"/>
+          <a:lstStyle>
+            <a:lvl1pPr algn="r">
+              <a:defRPr sz="1200"/>
+            </a:lvl1pPr>
+          </a:lstStyle>
+          <a:p>
+            <a:fld id="{119D390D-E5F8-45CD-8890-221435A3B8ED}" type="slidenum">
+              <a:rPr lang="fr-FR" smtClean="0"/>
+              <a:t>‹N°›</a:t>
+            </a:fld>
+            <a:endParaRPr lang="fr-FR"/>
+          </a:p>
+        </p:txBody>
+      </p:sp>
+    </p:spTree>
+    <p:extLst>
+      <p:ext uri="{BB962C8B-B14F-4D97-AF65-F5344CB8AC3E}">
+        <p14:creationId xmlns:p14="http://schemas.microsoft.com/office/powerpoint/2010/main" val="1587342699"/>
+      </p:ext>
+    </p:extLst>
+  </p:cSld>
+  <p:clrMap bg1="lt1" tx1="dk1" bg2="lt2" tx2="dk2" accent1="accent1" accent2="accent2" accent3="accent3" accent4="accent4" accent5="accent5" accent6="accent6" hlink="hlink" folHlink="folHlink"/>
+  <p:hf hdr="0" ftr="0" dt="0"/>
+</p:handoutMaster>
+</file>
+
+<file path=ppt/notesMasters/notesMaster1.xml><?xml version="1.0" encoding="utf-8"?>
+<p:notesMaster xmlns:a="http://schemas.openxmlformats.org/drawingml/2006/main" xmlns:r="http://schemas.openxmlformats.org/officeDocument/2006/relationships" xmlns:p="http://schemas.openxmlformats.org/presentationml/2006/main">
+  <p:cSld>
+    <p:bg>
+      <p:bgRef idx="1001">
+        <a:schemeClr val="bg1"/>
+      </p:bgRef>
+    </p:bg>
+    <p:spTree>
+      <p:nvGrpSpPr>
+        <p:cNvPr id="1" name=""/>
+        <p:cNvGrpSpPr/>
+        <p:nvPr/>
+      </p:nvGrpSpPr>
+      <p:grpSpPr>
+        <a:xfrm>
+          <a:off x="0" y="0"/>
+          <a:ext cx="0" cy="0"/>
+          <a:chOff x="0" y="0"/>
+          <a:chExt cx="0" cy="0"/>
+        </a:xfrm>
+      </p:grpSpPr>
+      <p:sp>
+        <p:nvSpPr>
+          <p:cNvPr id="2" name="Espace réservé de l'en-tête 1"/>
+          <p:cNvSpPr>
+            <a:spLocks noGrp="1"/>
+          </p:cNvSpPr>
+          <p:nvPr>
+            <p:ph type="hdr" sz="quarter"/>
+          </p:nvPr>
+        </p:nvSpPr>
+        <p:spPr>
+          <a:xfrm>
+            <a:off x="0" y="0"/>
+            <a:ext cx="2971800" cy="458788"/>
+          </a:xfrm>
+          <a:prstGeom prst="rect">
+            <a:avLst/>
+          </a:prstGeom>
+        </p:spPr>
+        <p:txBody>
+          <a:bodyPr vert="horz" lIns="91440" tIns="45720" rIns="91440" bIns="45720" rtlCol="0"/>
+          <a:lstStyle>
+            <a:lvl1pPr algn="l">
+              <a:defRPr sz="1200"/>
+            </a:lvl1pPr>
+          </a:lstStyle>
+          <a:p>
+            <a:endParaRPr lang="fr-FR"/>
+          </a:p>
+        </p:txBody>
+      </p:sp>
+      <p:sp>
+        <p:nvSpPr>
+          <p:cNvPr id="3" name="Espace réservé de la date 2"/>
+          <p:cNvSpPr>
+            <a:spLocks noGrp="1"/>
+          </p:cNvSpPr>
+          <p:nvPr>
+            <p:ph type="dt" idx="1"/>
+          </p:nvPr>
+        </p:nvSpPr>
+        <p:spPr>
+          <a:xfrm>
+            <a:off x="3884613" y="0"/>
+            <a:ext cx="2971800" cy="458788"/>
+          </a:xfrm>
+          <a:prstGeom prst="rect">
+            <a:avLst/>
+          </a:prstGeom>
+        </p:spPr>
+        <p:txBody>
+          <a:bodyPr vert="horz" lIns="91440" tIns="45720" rIns="91440" bIns="45720" rtlCol="0"/>
+          <a:lstStyle>
+            <a:lvl1pPr algn="r">
+              <a:defRPr sz="1200"/>
+            </a:lvl1pPr>
+          </a:lstStyle>
+          <a:p>
+            <a:fld id="{82C346A0-F2F7-4BCC-9BAF-B74133DD97DF}" type="datetimeFigureOut">
+              <a:rPr lang="fr-FR" smtClean="0"/>
+              <a:t>21/04/2016</a:t>
+            </a:fld>
+            <a:endParaRPr lang="fr-FR"/>
+          </a:p>
+        </p:txBody>
+      </p:sp>
+      <p:sp>
+        <p:nvSpPr>
+          <p:cNvPr id="4" name="Espace réservé de l'image des diapositives 3"/>
+          <p:cNvSpPr>
+            <a:spLocks noGrp="1" noRot="1" noChangeAspect="1"/>
+          </p:cNvSpPr>
+          <p:nvPr>
+            <p:ph type="sldImg" idx="2"/>
+          </p:nvPr>
+        </p:nvSpPr>
+        <p:spPr>
+          <a:xfrm>
+            <a:off x="685800" y="1143000"/>
+            <a:ext cx="5486400" cy="3086100"/>
+          </a:xfrm>
+          <a:prstGeom prst="rect">
+            <a:avLst/>
+          </a:prstGeom>
+          <a:noFill/>
+          <a:ln w="12700">
+            <a:solidFill>
+              <a:prstClr val="black"/>
+            </a:solidFill>
+          </a:ln>
+        </p:spPr>
+        <p:txBody>
+          <a:bodyPr vert="horz" lIns="91440" tIns="45720" rIns="91440" bIns="45720" rtlCol="0" anchor="ctr"/>
+          <a:lstStyle/>
+          <a:p>
+            <a:endParaRPr lang="fr-FR"/>
+          </a:p>
+        </p:txBody>
+      </p:sp>
+      <p:sp>
+        <p:nvSpPr>
+          <p:cNvPr id="5" name="Espace réservé des commentaires 4"/>
+          <p:cNvSpPr>
+            <a:spLocks noGrp="1"/>
+          </p:cNvSpPr>
+          <p:nvPr>
+            <p:ph type="body" sz="quarter" idx="3"/>
+          </p:nvPr>
+        </p:nvSpPr>
+        <p:spPr>
+          <a:xfrm>
+            <a:off x="685800" y="4400550"/>
+            <a:ext cx="5486400" cy="3600450"/>
+          </a:xfrm>
+          <a:prstGeom prst="rect">
+            <a:avLst/>
+          </a:prstGeom>
+        </p:spPr>
+        <p:txBody>
+          <a:bodyPr vert="horz" lIns="91440" tIns="45720" rIns="91440" bIns="45720" rtlCol="0"/>
+          <a:lstStyle/>
+          <a:p>
+            <a:pPr lvl="0"/>
+            <a:r>
+              <a:rPr lang="fr-FR" smtClean="0"/>
+              <a:t>Modifiez les styles du texte du masque</a:t>
+            </a:r>
+          </a:p>
+          <a:p>
+            <a:pPr lvl="1"/>
+            <a:r>
+              <a:rPr lang="fr-FR" smtClean="0"/>
+              <a:t>Deuxième niveau</a:t>
+            </a:r>
+          </a:p>
+          <a:p>
+            <a:pPr lvl="2"/>
+            <a:r>
+              <a:rPr lang="fr-FR" smtClean="0"/>
+              <a:t>Troisième niveau</a:t>
+            </a:r>
+          </a:p>
+          <a:p>
+            <a:pPr lvl="3"/>
+            <a:r>
+              <a:rPr lang="fr-FR" smtClean="0"/>
+              <a:t>Quatrième niveau</a:t>
+            </a:r>
+          </a:p>
+          <a:p>
+            <a:pPr lvl="4"/>
+            <a:r>
+              <a:rPr lang="fr-FR" smtClean="0"/>
+              <a:t>Cinquième niveau</a:t>
+            </a:r>
+            <a:endParaRPr lang="fr-FR"/>
+          </a:p>
+        </p:txBody>
+      </p:sp>
+      <p:sp>
+        <p:nvSpPr>
+          <p:cNvPr id="6" name="Espace réservé du pied de page 5"/>
+          <p:cNvSpPr>
+            <a:spLocks noGrp="1"/>
+          </p:cNvSpPr>
+          <p:nvPr>
+            <p:ph type="ftr" sz="quarter" idx="4"/>
+          </p:nvPr>
+        </p:nvSpPr>
+        <p:spPr>
+          <a:xfrm>
+            <a:off x="0" y="8685213"/>
+            <a:ext cx="2971800" cy="458787"/>
+          </a:xfrm>
+          <a:prstGeom prst="rect">
+            <a:avLst/>
+          </a:prstGeom>
+        </p:spPr>
+        <p:txBody>
+          <a:bodyPr vert="horz" lIns="91440" tIns="45720" rIns="91440" bIns="45720" rtlCol="0" anchor="b"/>
+          <a:lstStyle>
+            <a:lvl1pPr algn="l">
+              <a:defRPr sz="1200"/>
+            </a:lvl1pPr>
+          </a:lstStyle>
+          <a:p>
+            <a:endParaRPr lang="fr-FR"/>
+          </a:p>
+        </p:txBody>
+      </p:sp>
+      <p:sp>
+        <p:nvSpPr>
+          <p:cNvPr id="7" name="Espace réservé du numéro de diapositive 6"/>
+          <p:cNvSpPr>
+            <a:spLocks noGrp="1"/>
+          </p:cNvSpPr>
+          <p:nvPr>
+            <p:ph type="sldNum" sz="quarter" idx="5"/>
+          </p:nvPr>
+        </p:nvSpPr>
+        <p:spPr>
+          <a:xfrm>
+            <a:off x="3884613" y="8685213"/>
+            <a:ext cx="2971800" cy="458787"/>
+          </a:xfrm>
+          <a:prstGeom prst="rect">
+            <a:avLst/>
+          </a:prstGeom>
+        </p:spPr>
+        <p:txBody>
+          <a:bodyPr vert="horz" lIns="91440" tIns="45720" rIns="91440" bIns="45720" rtlCol="0" anchor="b"/>
+          <a:lstStyle>
+            <a:lvl1pPr algn="r">
+              <a:defRPr sz="1200"/>
+            </a:lvl1pPr>
+          </a:lstStyle>
+          <a:p>
+            <a:fld id="{3CF97267-B3AC-4724-9264-202BAE7DF030}" type="slidenum">
+              <a:rPr lang="fr-FR" smtClean="0"/>
+              <a:t>‹N°›</a:t>
+            </a:fld>
+            <a:endParaRPr lang="fr-FR"/>
+          </a:p>
+        </p:txBody>
+      </p:sp>
+    </p:spTree>
+    <p:extLst>
+      <p:ext uri="{BB962C8B-B14F-4D97-AF65-F5344CB8AC3E}">
+        <p14:creationId xmlns:p14="http://schemas.microsoft.com/office/powerpoint/2010/main" val="2557889015"/>
+      </p:ext>
+    </p:extLst>
+  </p:cSld>
+  <p:clrMap bg1="lt1" tx1="dk1" bg2="lt2" tx2="dk2" accent1="accent1" accent2="accent2" accent3="accent3" accent4="accent4" accent5="accent5" accent6="accent6" hlink="hlink" folHlink="folHlink"/>
+  <p:hf hdr="0" ftr="0" dt="0"/>
+  <p:notesStyle>
+    <a:lvl1pPr marL="0" algn="l" defTabSz="914400" rtl="0" eaLnBrk="1" latinLnBrk="0" hangingPunct="1">
+      <a:defRPr sz="1200" kern="1200">
+        <a:solidFill>
+          <a:schemeClr val="tx1"/>
+        </a:solidFill>
+        <a:latin typeface="+mn-lt"/>
+        <a:ea typeface="+mn-ea"/>
+        <a:cs typeface="+mn-cs"/>
+      </a:defRPr>
+    </a:lvl1pPr>
+    <a:lvl2pPr marL="457200" algn="l" defTabSz="914400" rtl="0" eaLnBrk="1" latinLnBrk="0" hangingPunct="1">
+      <a:defRPr sz="1200" kern="1200">
+        <a:solidFill>
+          <a:schemeClr val="tx1"/>
+        </a:solidFill>
+        <a:latin typeface="+mn-lt"/>
+        <a:ea typeface="+mn-ea"/>
+        <a:cs typeface="+mn-cs"/>
+      </a:defRPr>
+    </a:lvl2pPr>
+    <a:lvl3pPr marL="914400" algn="l" defTabSz="914400" rtl="0" eaLnBrk="1" latinLnBrk="0" hangingPunct="1">
+      <a:defRPr sz="1200" kern="1200">
+        <a:solidFill>
+          <a:schemeClr val="tx1"/>
+        </a:solidFill>
+        <a:latin typeface="+mn-lt"/>
+        <a:ea typeface="+mn-ea"/>
+        <a:cs typeface="+mn-cs"/>
+      </a:defRPr>
+    </a:lvl3pPr>
+    <a:lvl4pPr marL="1371600" algn="l" defTabSz="914400" rtl="0" eaLnBrk="1" latinLnBrk="0" hangingPunct="1">
+      <a:defRPr sz="1200" kern="1200">
+        <a:solidFill>
+          <a:schemeClr val="tx1"/>
+        </a:solidFill>
+        <a:latin typeface="+mn-lt"/>
+        <a:ea typeface="+mn-ea"/>
+        <a:cs typeface="+mn-cs"/>
+      </a:defRPr>
+    </a:lvl4pPr>
+    <a:lvl5pPr marL="1828800" algn="l" defTabSz="914400" rtl="0" eaLnBrk="1" latinLnBrk="0" hangingPunct="1">
+      <a:defRPr sz="1200" kern="1200">
+        <a:solidFill>
+          <a:schemeClr val="tx1"/>
+        </a:solidFill>
+        <a:latin typeface="+mn-lt"/>
+        <a:ea typeface="+mn-ea"/>
+        <a:cs typeface="+mn-cs"/>
+      </a:defRPr>
+    </a:lvl5pPr>
+    <a:lvl6pPr marL="2286000" algn="l" defTabSz="914400" rtl="0" eaLnBrk="1" latinLnBrk="0" hangingPunct="1">
+      <a:defRPr sz="1200" kern="1200">
+        <a:solidFill>
+          <a:schemeClr val="tx1"/>
+        </a:solidFill>
+        <a:latin typeface="+mn-lt"/>
+        <a:ea typeface="+mn-ea"/>
+        <a:cs typeface="+mn-cs"/>
+      </a:defRPr>
+    </a:lvl6pPr>
+    <a:lvl7pPr marL="2743200" algn="l" defTabSz="914400" rtl="0" eaLnBrk="1" latinLnBrk="0" hangingPunct="1">
+      <a:defRPr sz="1200" kern="1200">
+        <a:solidFill>
+          <a:schemeClr val="tx1"/>
+        </a:solidFill>
+        <a:latin typeface="+mn-lt"/>
+        <a:ea typeface="+mn-ea"/>
+        <a:cs typeface="+mn-cs"/>
+      </a:defRPr>
+    </a:lvl7pPr>
+    <a:lvl8pPr marL="3200400" algn="l" defTabSz="914400" rtl="0" eaLnBrk="1" latinLnBrk="0" hangingPunct="1">
+      <a:defRPr sz="1200" kern="1200">
+        <a:solidFill>
+          <a:schemeClr val="tx1"/>
+        </a:solidFill>
+        <a:latin typeface="+mn-lt"/>
+        <a:ea typeface="+mn-ea"/>
+        <a:cs typeface="+mn-cs"/>
+      </a:defRPr>
+    </a:lvl8pPr>
+    <a:lvl9pPr marL="3657600" algn="l" defTabSz="914400" rtl="0" eaLnBrk="1" latinLnBrk="0" hangingPunct="1">
+      <a:defRPr sz="1200" kern="1200">
+        <a:solidFill>
+          <a:schemeClr val="tx1"/>
+        </a:solidFill>
+        <a:latin typeface="+mn-lt"/>
+        <a:ea typeface="+mn-ea"/>
+        <a:cs typeface="+mn-cs"/>
+      </a:defRPr>
+    </a:lvl9pPr>
+  </p:notesStyle>
+</p:notesMaster>
+</file>
+
+<file path=ppt/notesSlides/notesSlide1.xml><?xml version="1.0" encoding="utf-8"?>
+<p:notes xmlns:a="http://schemas.openxmlformats.org/drawingml/2006/main" xmlns:r="http://schemas.openxmlformats.org/officeDocument/2006/relationships" xmlns:p="http://schemas.openxmlformats.org/presentationml/2006/main">
+  <p:cSld>
+    <p:spTree>
+      <p:nvGrpSpPr>
+        <p:cNvPr id="1" name=""/>
+        <p:cNvGrpSpPr/>
+        <p:nvPr/>
+      </p:nvGrpSpPr>
+      <p:grpSpPr>
+        <a:xfrm>
+          <a:off x="0" y="0"/>
+          <a:ext cx="0" cy="0"/>
+          <a:chOff x="0" y="0"/>
+          <a:chExt cx="0" cy="0"/>
+        </a:xfrm>
+      </p:grpSpPr>
+      <p:sp>
+        <p:nvSpPr>
+          <p:cNvPr id="2" name="Espace réservé de l'image des diapositives 1"/>
+          <p:cNvSpPr>
+            <a:spLocks noGrp="1" noRot="1" noChangeAspect="1"/>
+          </p:cNvSpPr>
+          <p:nvPr>
+            <p:ph type="sldImg"/>
+          </p:nvPr>
+        </p:nvSpPr>
+        <p:spPr/>
+      </p:sp>
+      <p:sp>
+        <p:nvSpPr>
+          <p:cNvPr id="3" name="Espace réservé des commentaires 2"/>
+          <p:cNvSpPr>
+            <a:spLocks noGrp="1"/>
+          </p:cNvSpPr>
+          <p:nvPr>
+            <p:ph type="body" idx="1"/>
+          </p:nvPr>
+        </p:nvSpPr>
+        <p:spPr/>
+        <p:txBody>
+          <a:bodyPr/>
+          <a:lstStyle/>
+          <a:p>
+            <a:endParaRPr lang="fr-FR"/>
+          </a:p>
+        </p:txBody>
+      </p:sp>
+      <p:sp>
+        <p:nvSpPr>
+          <p:cNvPr id="4" name="Espace réservé du numéro de diapositive 3"/>
+          <p:cNvSpPr>
+            <a:spLocks noGrp="1"/>
+          </p:cNvSpPr>
+          <p:nvPr>
+            <p:ph type="sldNum" sz="quarter" idx="10"/>
+          </p:nvPr>
+        </p:nvSpPr>
+        <p:spPr/>
+        <p:txBody>
+          <a:bodyPr/>
+          <a:lstStyle/>
+          <a:p>
+            <a:fld id="{3CF97267-B3AC-4724-9264-202BAE7DF030}" type="slidenum">
+              <a:rPr lang="fr-FR" smtClean="0"/>
+              <a:t>1</a:t>
+            </a:fld>
+            <a:endParaRPr lang="fr-FR"/>
+          </a:p>
+        </p:txBody>
+      </p:sp>
+    </p:spTree>
+    <p:extLst>
+      <p:ext uri="{BB962C8B-B14F-4D97-AF65-F5344CB8AC3E}">
+        <p14:creationId xmlns:p14="http://schemas.microsoft.com/office/powerpoint/2010/main" val="1211871712"/>
+      </p:ext>
+    </p:extLst>
+  </p:cSld>
+  <p:clrMapOvr>
+    <a:masterClrMapping/>
+  </p:clrMapOvr>
+</p:notes>
 </file>
 
 <file path=ppt/slideLayouts/slideLayout1.xml><?xml version="1.0" encoding="utf-8"?>
@@ -299,10 +911,9 @@
           <a:bodyPr/>
           <a:lstStyle/>
           <a:p>
-            <a:fld id="{B61BEF0D-F0BB-DE4B-95CE-6DB70DBA9567}" type="datetimeFigureOut">
+            <a:fld id="{5C4A32C0-1EFE-4E98-854A-E81AC845871D}" type="datetime1">
               <a:rPr lang="en-US" smtClean="0"/>
-              <a:pPr/>
-              <a:t>4/20/2016</a:t>
+              <a:t>4/21/2016</a:t>
             </a:fld>
             <a:endParaRPr lang="en-US" dirty="0"/>
           </a:p>
@@ -576,10 +1187,9 @@
           <a:bodyPr/>
           <a:lstStyle/>
           <a:p>
-            <a:fld id="{B61BEF0D-F0BB-DE4B-95CE-6DB70DBA9567}" type="datetimeFigureOut">
+            <a:fld id="{CA6C3B38-246C-41F0-BF90-7B567A7FD7D3}" type="datetime1">
               <a:rPr lang="en-US" smtClean="0"/>
-              <a:pPr/>
-              <a:t>4/20/2016</a:t>
+              <a:t>4/21/2016</a:t>
             </a:fld>
             <a:endParaRPr lang="en-US" dirty="0"/>
           </a:p>
@@ -772,10 +1382,9 @@
           <a:bodyPr/>
           <a:lstStyle/>
           <a:p>
-            <a:fld id="{B61BEF0D-F0BB-DE4B-95CE-6DB70DBA9567}" type="datetimeFigureOut">
+            <a:fld id="{60C2324D-6808-4AD6-9394-64FAD8DC4A37}" type="datetime1">
               <a:rPr lang="en-US" smtClean="0"/>
-              <a:pPr/>
-              <a:t>4/20/2016</a:t>
+              <a:t>4/21/2016</a:t>
             </a:fld>
             <a:endParaRPr lang="en-US" dirty="0"/>
           </a:p>
@@ -1047,10 +1656,9 @@
           <a:bodyPr/>
           <a:lstStyle/>
           <a:p>
-            <a:fld id="{B61BEF0D-F0BB-DE4B-95CE-6DB70DBA9567}" type="datetimeFigureOut">
+            <a:fld id="{0D96809D-3872-4A7A-95DC-C4A2E28E4124}" type="datetime1">
               <a:rPr lang="en-US" smtClean="0"/>
-              <a:pPr/>
-              <a:t>4/20/2016</a:t>
+              <a:t>4/21/2016</a:t>
             </a:fld>
             <a:endParaRPr lang="en-US" dirty="0"/>
           </a:p>
@@ -1390,10 +1998,9 @@
           <a:bodyPr/>
           <a:lstStyle/>
           <a:p>
-            <a:fld id="{B61BEF0D-F0BB-DE4B-95CE-6DB70DBA9567}" type="datetimeFigureOut">
+            <a:fld id="{1284FCDE-E5D3-4D39-A8CE-14BBF8F9C80C}" type="datetime1">
               <a:rPr lang="en-US" smtClean="0"/>
-              <a:pPr/>
-              <a:t>4/20/2016</a:t>
+              <a:t>4/21/2016</a:t>
             </a:fld>
             <a:endParaRPr lang="en-US" dirty="0"/>
           </a:p>
@@ -2015,10 +2622,9 @@
           <a:bodyPr/>
           <a:lstStyle/>
           <a:p>
-            <a:fld id="{B61BEF0D-F0BB-DE4B-95CE-6DB70DBA9567}" type="datetimeFigureOut">
+            <a:fld id="{0EB5B30C-9F8F-4454-B09D-E079379490EE}" type="datetime1">
               <a:rPr lang="en-US" smtClean="0"/>
-              <a:pPr/>
-              <a:t>4/20/2016</a:t>
+              <a:t>4/21/2016</a:t>
             </a:fld>
             <a:endParaRPr lang="en-US" dirty="0"/>
           </a:p>
@@ -2877,10 +3483,9 @@
           <a:bodyPr/>
           <a:lstStyle/>
           <a:p>
-            <a:fld id="{B61BEF0D-F0BB-DE4B-95CE-6DB70DBA9567}" type="datetimeFigureOut">
+            <a:fld id="{D6F247C1-E66F-4019-A949-F36E60A23800}" type="datetime1">
               <a:rPr lang="en-US" smtClean="0"/>
-              <a:pPr/>
-              <a:t>4/20/2016</a:t>
+              <a:t>4/21/2016</a:t>
             </a:fld>
             <a:endParaRPr lang="en-US" dirty="0"/>
           </a:p>
@@ -3049,10 +3654,9 @@
           <a:bodyPr/>
           <a:lstStyle/>
           <a:p>
-            <a:fld id="{B61BEF0D-F0BB-DE4B-95CE-6DB70DBA9567}" type="datetimeFigureOut">
+            <a:fld id="{0B0663A3-4660-4603-AAAC-5CAE8289CDE9}" type="datetime1">
               <a:rPr lang="en-US" smtClean="0"/>
-              <a:pPr/>
-              <a:t>4/20/2016</a:t>
+              <a:t>4/21/2016</a:t>
             </a:fld>
             <a:endParaRPr lang="en-US" dirty="0"/>
           </a:p>
@@ -3231,10 +3835,9 @@
           <a:bodyPr/>
           <a:lstStyle/>
           <a:p>
-            <a:fld id="{B61BEF0D-F0BB-DE4B-95CE-6DB70DBA9567}" type="datetimeFigureOut">
+            <a:fld id="{5C05DB82-0F19-4E48-870E-16D31AE8BBD5}" type="datetime1">
               <a:rPr lang="en-US" smtClean="0"/>
-              <a:pPr/>
-              <a:t>4/20/2016</a:t>
+              <a:t>4/21/2016</a:t>
             </a:fld>
             <a:endParaRPr lang="en-US" dirty="0"/>
           </a:p>
@@ -3403,10 +4006,9 @@
           <a:bodyPr/>
           <a:lstStyle/>
           <a:p>
-            <a:fld id="{B61BEF0D-F0BB-DE4B-95CE-6DB70DBA9567}" type="datetimeFigureOut">
+            <a:fld id="{19A82D79-06D6-470E-A882-F7B7FBF7E31F}" type="datetime1">
               <a:rPr lang="en-US" smtClean="0"/>
-              <a:pPr/>
-              <a:t>4/20/2016</a:t>
+              <a:t>4/21/2016</a:t>
             </a:fld>
             <a:endParaRPr lang="en-US" dirty="0"/>
           </a:p>
@@ -3652,10 +4254,9 @@
           <a:bodyPr/>
           <a:lstStyle/>
           <a:p>
-            <a:fld id="{B61BEF0D-F0BB-DE4B-95CE-6DB70DBA9567}" type="datetimeFigureOut">
+            <a:fld id="{191E476A-85C9-48E9-B37F-C0406E6D3540}" type="datetime1">
               <a:rPr lang="en-US" smtClean="0"/>
-              <a:pPr/>
-              <a:t>4/20/2016</a:t>
+              <a:t>4/21/2016</a:t>
             </a:fld>
             <a:endParaRPr lang="en-US" dirty="0"/>
           </a:p>
@@ -3946,10 +4547,9 @@
           <a:bodyPr/>
           <a:lstStyle/>
           <a:p>
-            <a:fld id="{B61BEF0D-F0BB-DE4B-95CE-6DB70DBA9567}" type="datetimeFigureOut">
+            <a:fld id="{A10E3F1E-9CBC-48AE-AA6D-53582C3BB0BC}" type="datetime1">
               <a:rPr lang="en-US" smtClean="0"/>
-              <a:pPr/>
-              <a:t>4/20/2016</a:t>
+              <a:t>4/21/2016</a:t>
             </a:fld>
             <a:endParaRPr lang="en-US" dirty="0"/>
           </a:p>
@@ -4392,10 +4992,9 @@
           <a:bodyPr/>
           <a:lstStyle/>
           <a:p>
-            <a:fld id="{B61BEF0D-F0BB-DE4B-95CE-6DB70DBA9567}" type="datetimeFigureOut">
+            <a:fld id="{DD5C8672-CA6C-46AA-9236-B3BA43611A51}" type="datetime1">
               <a:rPr lang="en-US" smtClean="0"/>
-              <a:pPr/>
-              <a:t>4/20/2016</a:t>
+              <a:t>4/21/2016</a:t>
             </a:fld>
             <a:endParaRPr lang="en-US" dirty="0"/>
           </a:p>
@@ -4512,10 +5111,9 @@
           <a:bodyPr/>
           <a:lstStyle/>
           <a:p>
-            <a:fld id="{B61BEF0D-F0BB-DE4B-95CE-6DB70DBA9567}" type="datetimeFigureOut">
+            <a:fld id="{674AFA71-D553-4DDF-A01A-26026E148723}" type="datetime1">
               <a:rPr lang="en-US" smtClean="0"/>
-              <a:pPr/>
-              <a:t>4/20/2016</a:t>
+              <a:t>4/21/2016</a:t>
             </a:fld>
             <a:endParaRPr lang="en-US" dirty="0"/>
           </a:p>
@@ -4609,10 +5207,9 @@
           <a:bodyPr/>
           <a:lstStyle/>
           <a:p>
-            <a:fld id="{B61BEF0D-F0BB-DE4B-95CE-6DB70DBA9567}" type="datetimeFigureOut">
+            <a:fld id="{C2A77891-3448-48E3-8EA9-7923EE5F5F98}" type="datetime1">
               <a:rPr lang="en-US" smtClean="0"/>
-              <a:pPr/>
-              <a:t>4/20/2016</a:t>
+              <a:t>4/21/2016</a:t>
             </a:fld>
             <a:endParaRPr lang="en-US" dirty="0"/>
           </a:p>
@@ -4890,10 +5487,9 @@
           <a:bodyPr/>
           <a:lstStyle/>
           <a:p>
-            <a:fld id="{B61BEF0D-F0BB-DE4B-95CE-6DB70DBA9567}" type="datetimeFigureOut">
+            <a:fld id="{86A5CC56-13A5-45E1-8F36-B8D9073387ED}" type="datetime1">
               <a:rPr lang="en-US" smtClean="0"/>
-              <a:pPr/>
-              <a:t>4/20/2016</a:t>
+              <a:t>4/21/2016</a:t>
             </a:fld>
             <a:endParaRPr lang="en-US" dirty="0"/>
           </a:p>
@@ -5167,10 +5763,9 @@
           <a:bodyPr/>
           <a:lstStyle/>
           <a:p>
-            <a:fld id="{B61BEF0D-F0BB-DE4B-95CE-6DB70DBA9567}" type="datetimeFigureOut">
+            <a:fld id="{050FFAE4-8709-4B73-B2F2-D9B15A039B62}" type="datetime1">
               <a:rPr lang="en-US" smtClean="0"/>
-              <a:pPr/>
-              <a:t>4/20/2016</a:t>
+              <a:t>4/21/2016</a:t>
             </a:fld>
             <a:endParaRPr lang="en-US" dirty="0"/>
           </a:p>
@@ -5598,10 +6193,9 @@
             </a:lvl1pPr>
           </a:lstStyle>
           <a:p>
-            <a:fld id="{B61BEF0D-F0BB-DE4B-95CE-6DB70DBA9567}" type="datetimeFigureOut">
+            <a:fld id="{0D2C10EF-4275-4906-AE98-B59FCA4399E0}" type="datetime1">
               <a:rPr lang="en-US" smtClean="0"/>
-              <a:pPr/>
-              <a:t>4/20/2016</a:t>
+              <a:t>4/21/2016</a:t>
             </a:fld>
             <a:endParaRPr lang="en-US" dirty="0"/>
           </a:p>
@@ -5714,6 +6308,7 @@
     <p:sldLayoutId id="2147483685" r:id="rId16"/>
     <p:sldLayoutId id="2147483686" r:id="rId17"/>
   </p:sldLayoutIdLst>
+  <p:hf hdr="0" ftr="0" dt="0"/>
   <p:txStyles>
     <p:titleStyle>
       <a:lvl1pPr algn="l" defTabSz="457200" rtl="0" eaLnBrk="1" latinLnBrk="0" hangingPunct="1">
@@ -6221,6 +6816,30 @@
           </a:p>
         </p:txBody>
       </p:sp>
+      <p:sp>
+        <p:nvSpPr>
+          <p:cNvPr id="4" name="Espace réservé du numéro de diapositive 3"/>
+          <p:cNvSpPr>
+            <a:spLocks noGrp="1"/>
+          </p:cNvSpPr>
+          <p:nvPr>
+            <p:ph type="sldNum" sz="quarter" idx="12"/>
+          </p:nvPr>
+        </p:nvSpPr>
+        <p:spPr/>
+        <p:txBody>
+          <a:bodyPr/>
+          <a:lstStyle/>
+          <a:p>
+            <a:fld id="{D57F1E4F-1CFF-5643-939E-217C01CDF565}" type="slidenum">
+              <a:rPr lang="en-US" smtClean="0"/>
+              <a:pPr/>
+              <a:t>1</a:t>
+            </a:fld>
+            <a:endParaRPr lang="en-US" dirty="0"/>
+          </a:p>
+        </p:txBody>
+      </p:sp>
     </p:spTree>
     <p:extLst>
       <p:ext uri="{BB962C8B-B14F-4D97-AF65-F5344CB8AC3E}">
@@ -6346,6 +6965,30 @@
           </a:p>
         </p:txBody>
       </p:sp>
+      <p:sp>
+        <p:nvSpPr>
+          <p:cNvPr id="4" name="Espace réservé du numéro de diapositive 3"/>
+          <p:cNvSpPr>
+            <a:spLocks noGrp="1"/>
+          </p:cNvSpPr>
+          <p:nvPr>
+            <p:ph type="sldNum" sz="quarter" idx="12"/>
+          </p:nvPr>
+        </p:nvSpPr>
+        <p:spPr/>
+        <p:txBody>
+          <a:bodyPr/>
+          <a:lstStyle/>
+          <a:p>
+            <a:fld id="{D57F1E4F-1CFF-5643-939E-217C01CDF565}" type="slidenum">
+              <a:rPr lang="en-US" smtClean="0"/>
+              <a:pPr/>
+              <a:t>2</a:t>
+            </a:fld>
+            <a:endParaRPr lang="en-US" dirty="0"/>
+          </a:p>
+        </p:txBody>
+      </p:sp>
     </p:spTree>
     <p:extLst>
       <p:ext uri="{BB962C8B-B14F-4D97-AF65-F5344CB8AC3E}">
@@ -6474,6 +7117,30 @@
           </a:p>
         </p:txBody>
       </p:sp>
+      <p:sp>
+        <p:nvSpPr>
+          <p:cNvPr id="4" name="Espace réservé du numéro de diapositive 3"/>
+          <p:cNvSpPr>
+            <a:spLocks noGrp="1"/>
+          </p:cNvSpPr>
+          <p:nvPr>
+            <p:ph type="sldNum" sz="quarter" idx="12"/>
+          </p:nvPr>
+        </p:nvSpPr>
+        <p:spPr/>
+        <p:txBody>
+          <a:bodyPr/>
+          <a:lstStyle/>
+          <a:p>
+            <a:fld id="{D57F1E4F-1CFF-5643-939E-217C01CDF565}" type="slidenum">
+              <a:rPr lang="en-US" smtClean="0"/>
+              <a:pPr/>
+              <a:t>3</a:t>
+            </a:fld>
+            <a:endParaRPr lang="en-US" dirty="0"/>
+          </a:p>
+        </p:txBody>
+      </p:sp>
     </p:spTree>
     <p:extLst>
       <p:ext uri="{BB962C8B-B14F-4D97-AF65-F5344CB8AC3E}">
@@ -6640,6 +7307,30 @@
           </a:prstGeom>
         </p:spPr>
       </p:pic>
+      <p:sp>
+        <p:nvSpPr>
+          <p:cNvPr id="4" name="Espace réservé du numéro de diapositive 3"/>
+          <p:cNvSpPr>
+            <a:spLocks noGrp="1"/>
+          </p:cNvSpPr>
+          <p:nvPr>
+            <p:ph type="sldNum" sz="quarter" idx="12"/>
+          </p:nvPr>
+        </p:nvSpPr>
+        <p:spPr/>
+        <p:txBody>
+          <a:bodyPr/>
+          <a:lstStyle/>
+          <a:p>
+            <a:fld id="{D57F1E4F-1CFF-5643-939E-217C01CDF565}" type="slidenum">
+              <a:rPr lang="en-US" smtClean="0"/>
+              <a:pPr/>
+              <a:t>4</a:t>
+            </a:fld>
+            <a:endParaRPr lang="en-US" dirty="0"/>
+          </a:p>
+        </p:txBody>
+      </p:sp>
     </p:spTree>
     <p:extLst>
       <p:ext uri="{BB962C8B-B14F-4D97-AF65-F5344CB8AC3E}">
@@ -7010,6 +7701,30 @@
           </a:prstGeom>
         </p:spPr>
       </p:pic>
+      <p:sp>
+        <p:nvSpPr>
+          <p:cNvPr id="12" name="Espace réservé du numéro de diapositive 11"/>
+          <p:cNvSpPr>
+            <a:spLocks noGrp="1"/>
+          </p:cNvSpPr>
+          <p:nvPr>
+            <p:ph type="sldNum" sz="quarter" idx="12"/>
+          </p:nvPr>
+        </p:nvSpPr>
+        <p:spPr/>
+        <p:txBody>
+          <a:bodyPr/>
+          <a:lstStyle/>
+          <a:p>
+            <a:fld id="{D57F1E4F-1CFF-5643-939E-217C01CDF565}" type="slidenum">
+              <a:rPr lang="en-US" smtClean="0"/>
+              <a:pPr/>
+              <a:t>5</a:t>
+            </a:fld>
+            <a:endParaRPr lang="en-US" dirty="0"/>
+          </a:p>
+        </p:txBody>
+      </p:sp>
     </p:spTree>
     <p:extLst>
       <p:ext uri="{BB962C8B-B14F-4D97-AF65-F5344CB8AC3E}">
@@ -7194,6 +7909,30 @@
           </a:prstGeom>
         </p:spPr>
       </p:pic>
+      <p:sp>
+        <p:nvSpPr>
+          <p:cNvPr id="6" name="Espace réservé du numéro de diapositive 5"/>
+          <p:cNvSpPr>
+            <a:spLocks noGrp="1"/>
+          </p:cNvSpPr>
+          <p:nvPr>
+            <p:ph type="sldNum" sz="quarter" idx="12"/>
+          </p:nvPr>
+        </p:nvSpPr>
+        <p:spPr/>
+        <p:txBody>
+          <a:bodyPr/>
+          <a:lstStyle/>
+          <a:p>
+            <a:fld id="{D57F1E4F-1CFF-5643-939E-217C01CDF565}" type="slidenum">
+              <a:rPr lang="en-US" smtClean="0"/>
+              <a:pPr/>
+              <a:t>6</a:t>
+            </a:fld>
+            <a:endParaRPr lang="en-US" dirty="0"/>
+          </a:p>
+        </p:txBody>
+      </p:sp>
     </p:spTree>
     <p:extLst>
       <p:ext uri="{BB962C8B-B14F-4D97-AF65-F5344CB8AC3E}">
@@ -7386,6 +8125,30 @@
           </a:prstGeom>
         </p:spPr>
       </p:pic>
+      <p:sp>
+        <p:nvSpPr>
+          <p:cNvPr id="7" name="Espace réservé du numéro de diapositive 6"/>
+          <p:cNvSpPr>
+            <a:spLocks noGrp="1"/>
+          </p:cNvSpPr>
+          <p:nvPr>
+            <p:ph type="sldNum" sz="quarter" idx="12"/>
+          </p:nvPr>
+        </p:nvSpPr>
+        <p:spPr/>
+        <p:txBody>
+          <a:bodyPr/>
+          <a:lstStyle/>
+          <a:p>
+            <a:fld id="{D57F1E4F-1CFF-5643-939E-217C01CDF565}" type="slidenum">
+              <a:rPr lang="en-US" smtClean="0"/>
+              <a:pPr/>
+              <a:t>7</a:t>
+            </a:fld>
+            <a:endParaRPr lang="en-US" dirty="0"/>
+          </a:p>
+        </p:txBody>
+      </p:sp>
     </p:spTree>
     <p:extLst>
       <p:ext uri="{BB962C8B-B14F-4D97-AF65-F5344CB8AC3E}">
@@ -7833,6 +8596,30 @@
           </a:p>
         </p:txBody>
       </p:sp>
+      <p:sp>
+        <p:nvSpPr>
+          <p:cNvPr id="4" name="Espace réservé du numéro de diapositive 3"/>
+          <p:cNvSpPr>
+            <a:spLocks noGrp="1"/>
+          </p:cNvSpPr>
+          <p:nvPr>
+            <p:ph type="sldNum" sz="quarter" idx="12"/>
+          </p:nvPr>
+        </p:nvSpPr>
+        <p:spPr/>
+        <p:txBody>
+          <a:bodyPr/>
+          <a:lstStyle/>
+          <a:p>
+            <a:fld id="{D57F1E4F-1CFF-5643-939E-217C01CDF565}" type="slidenum">
+              <a:rPr lang="en-US" smtClean="0"/>
+              <a:pPr/>
+              <a:t>8</a:t>
+            </a:fld>
+            <a:endParaRPr lang="en-US" dirty="0"/>
+          </a:p>
+        </p:txBody>
+      </p:sp>
     </p:spTree>
     <p:extLst>
       <p:ext uri="{BB962C8B-B14F-4D97-AF65-F5344CB8AC3E}">
@@ -7945,6 +8732,30 @@
           </a:p>
           <a:p>
             <a:endParaRPr lang="fr-FR" dirty="0"/>
+          </a:p>
+        </p:txBody>
+      </p:sp>
+      <p:sp>
+        <p:nvSpPr>
+          <p:cNvPr id="4" name="Espace réservé du numéro de diapositive 3"/>
+          <p:cNvSpPr>
+            <a:spLocks noGrp="1"/>
+          </p:cNvSpPr>
+          <p:nvPr>
+            <p:ph type="sldNum" sz="quarter" idx="12"/>
+          </p:nvPr>
+        </p:nvSpPr>
+        <p:spPr/>
+        <p:txBody>
+          <a:bodyPr/>
+          <a:lstStyle/>
+          <a:p>
+            <a:fld id="{D57F1E4F-1CFF-5643-939E-217C01CDF565}" type="slidenum">
+              <a:rPr lang="en-US" smtClean="0"/>
+              <a:pPr/>
+              <a:t>9</a:t>
+            </a:fld>
+            <a:endParaRPr lang="en-US" dirty="0"/>
           </a:p>
         </p:txBody>
       </p:sp>
@@ -8232,4 +9043,526 @@
     </a:ext>
   </a:extLst>
 </a:theme>
+</file>
+
+<file path=ppt/theme/theme2.xml><?xml version="1.0" encoding="utf-8"?>
+<a:theme xmlns:a="http://schemas.openxmlformats.org/drawingml/2006/main" name="Thème Office">
+  <a:themeElements>
+    <a:clrScheme name="Office">
+      <a:dk1>
+        <a:sysClr val="windowText" lastClr="000000"/>
+      </a:dk1>
+      <a:lt1>
+        <a:sysClr val="window" lastClr="FFFFFF"/>
+      </a:lt1>
+      <a:dk2>
+        <a:srgbClr val="44546A"/>
+      </a:dk2>
+      <a:lt2>
+        <a:srgbClr val="E7E6E6"/>
+      </a:lt2>
+      <a:accent1>
+        <a:srgbClr val="5B9BD5"/>
+      </a:accent1>
+      <a:accent2>
+        <a:srgbClr val="ED7D31"/>
+      </a:accent2>
+      <a:accent3>
+        <a:srgbClr val="A5A5A5"/>
+      </a:accent3>
+      <a:accent4>
+        <a:srgbClr val="FFC000"/>
+      </a:accent4>
+      <a:accent5>
+        <a:srgbClr val="4472C4"/>
+      </a:accent5>
+      <a:accent6>
+        <a:srgbClr val="70AD47"/>
+      </a:accent6>
+      <a:hlink>
+        <a:srgbClr val="0563C1"/>
+      </a:hlink>
+      <a:folHlink>
+        <a:srgbClr val="954F72"/>
+      </a:folHlink>
+    </a:clrScheme>
+    <a:fontScheme name="Office">
+      <a:majorFont>
+        <a:latin typeface="Calibri Light" panose="020F0302020204030204"/>
+        <a:ea typeface=""/>
+        <a:cs typeface=""/>
+        <a:font script="Jpan" typeface="ＭＳ Ｐゴシック"/>
+        <a:font script="Hang" typeface="맑은 고딕"/>
+        <a:font script="Hans" typeface="宋体"/>
+        <a:font script="Hant" typeface="新細明體"/>
+        <a:font script="Arab" typeface="Times New Roman"/>
+        <a:font script="Hebr" typeface="Times New Roman"/>
+        <a:font script="Thai" typeface="Angsana New"/>
+        <a:font script="Ethi" typeface="Nyala"/>
+        <a:font script="Beng" typeface="Vrinda"/>
+        <a:font script="Gujr" typeface="Shruti"/>
+        <a:font script="Khmr" typeface="MoolBoran"/>
+        <a:font script="Knda" typeface="Tunga"/>
+        <a:font script="Guru" typeface="Raavi"/>
+        <a:font script="Cans" typeface="Euphemia"/>
+        <a:font script="Cher" typeface="Plantagenet Cherokee"/>
+        <a:font script="Yiii" typeface="Microsoft Yi Baiti"/>
+        <a:font script="Tibt" typeface="Microsoft Himalaya"/>
+        <a:font script="Thaa" typeface="MV Boli"/>
+        <a:font script="Deva" typeface="Mangal"/>
+        <a:font script="Telu" typeface="Gautami"/>
+        <a:font script="Taml" typeface="Latha"/>
+        <a:font script="Syrc" typeface="Estrangelo Edessa"/>
+        <a:font script="Orya" typeface="Kalinga"/>
+        <a:font script="Mlym" typeface="Kartika"/>
+        <a:font script="Laoo" typeface="DokChampa"/>
+        <a:font script="Sinh" typeface="Iskoola Pota"/>
+        <a:font script="Mong" typeface="Mongolian Baiti"/>
+        <a:font script="Viet" typeface="Times New Roman"/>
+        <a:font script="Uigh" typeface="Microsoft Uighur"/>
+        <a:font script="Geor" typeface="Sylfaen"/>
+      </a:majorFont>
+      <a:minorFont>
+        <a:latin typeface="Calibri" panose="020F0502020204030204"/>
+        <a:ea typeface=""/>
+        <a:cs typeface=""/>
+        <a:font script="Jpan" typeface="ＭＳ Ｐゴシック"/>
+        <a:font script="Hang" typeface="맑은 고딕"/>
+        <a:font script="Hans" typeface="宋体"/>
+        <a:font script="Hant" typeface="新細明體"/>
+        <a:font script="Arab" typeface="Arial"/>
+        <a:font script="Hebr" typeface="Arial"/>
+        <a:font script="Thai" typeface="Cordia New"/>
+        <a:font script="Ethi" typeface="Nyala"/>
+        <a:font script="Beng" typeface="Vrinda"/>
+        <a:font script="Gujr" typeface="Shruti"/>
+        <a:font script="Khmr" typeface="DaunPenh"/>
+        <a:font script="Knda" typeface="Tunga"/>
+        <a:font script="Guru" typeface="Raavi"/>
+        <a:font script="Cans" typeface="Euphemia"/>
+        <a:font script="Cher" typeface="Plantagenet Cherokee"/>
+        <a:font script="Yiii" typeface="Microsoft Yi Baiti"/>
+        <a:font script="Tibt" typeface="Microsoft Himalaya"/>
+        <a:font script="Thaa" typeface="MV Boli"/>
+        <a:font script="Deva" typeface="Mangal"/>
+        <a:font script="Telu" typeface="Gautami"/>
+        <a:font script="Taml" typeface="Latha"/>
+        <a:font script="Syrc" typeface="Estrangelo Edessa"/>
+        <a:font script="Orya" typeface="Kalinga"/>
+        <a:font script="Mlym" typeface="Kartika"/>
+        <a:font script="Laoo" typeface="DokChampa"/>
+        <a:font script="Sinh" typeface="Iskoola Pota"/>
+        <a:font script="Mong" typeface="Mongolian Baiti"/>
+        <a:font script="Viet" typeface="Arial"/>
+        <a:font script="Uigh" typeface="Microsoft Uighur"/>
+        <a:font script="Geor" typeface="Sylfaen"/>
+      </a:minorFont>
+    </a:fontScheme>
+    <a:fmtScheme name="Office">
+      <a:fillStyleLst>
+        <a:solidFill>
+          <a:schemeClr val="phClr"/>
+        </a:solidFill>
+        <a:gradFill rotWithShape="1">
+          <a:gsLst>
+            <a:gs pos="0">
+              <a:schemeClr val="phClr">
+                <a:lumMod val="110000"/>
+                <a:satMod val="105000"/>
+                <a:tint val="67000"/>
+              </a:schemeClr>
+            </a:gs>
+            <a:gs pos="50000">
+              <a:schemeClr val="phClr">
+                <a:lumMod val="105000"/>
+                <a:satMod val="103000"/>
+                <a:tint val="73000"/>
+              </a:schemeClr>
+            </a:gs>
+            <a:gs pos="100000">
+              <a:schemeClr val="phClr">
+                <a:lumMod val="105000"/>
+                <a:satMod val="109000"/>
+                <a:tint val="81000"/>
+              </a:schemeClr>
+            </a:gs>
+          </a:gsLst>
+          <a:lin ang="5400000" scaled="0"/>
+        </a:gradFill>
+        <a:gradFill rotWithShape="1">
+          <a:gsLst>
+            <a:gs pos="0">
+              <a:schemeClr val="phClr">
+                <a:satMod val="103000"/>
+                <a:lumMod val="102000"/>
+                <a:tint val="94000"/>
+              </a:schemeClr>
+            </a:gs>
+            <a:gs pos="50000">
+              <a:schemeClr val="phClr">
+                <a:satMod val="110000"/>
+                <a:lumMod val="100000"/>
+                <a:shade val="100000"/>
+              </a:schemeClr>
+            </a:gs>
+            <a:gs pos="100000">
+              <a:schemeClr val="phClr">
+                <a:lumMod val="99000"/>
+                <a:satMod val="120000"/>
+                <a:shade val="78000"/>
+              </a:schemeClr>
+            </a:gs>
+          </a:gsLst>
+          <a:lin ang="5400000" scaled="0"/>
+        </a:gradFill>
+      </a:fillStyleLst>
+      <a:lnStyleLst>
+        <a:ln w="6350" cap="flat" cmpd="sng" algn="ctr">
+          <a:solidFill>
+            <a:schemeClr val="phClr"/>
+          </a:solidFill>
+          <a:prstDash val="solid"/>
+          <a:miter lim="800000"/>
+        </a:ln>
+        <a:ln w="12700" cap="flat" cmpd="sng" algn="ctr">
+          <a:solidFill>
+            <a:schemeClr val="phClr"/>
+          </a:solidFill>
+          <a:prstDash val="solid"/>
+          <a:miter lim="800000"/>
+        </a:ln>
+        <a:ln w="19050" cap="flat" cmpd="sng" algn="ctr">
+          <a:solidFill>
+            <a:schemeClr val="phClr"/>
+          </a:solidFill>
+          <a:prstDash val="solid"/>
+          <a:miter lim="800000"/>
+        </a:ln>
+      </a:lnStyleLst>
+      <a:effectStyleLst>
+        <a:effectStyle>
+          <a:effectLst/>
+        </a:effectStyle>
+        <a:effectStyle>
+          <a:effectLst/>
+        </a:effectStyle>
+        <a:effectStyle>
+          <a:effectLst>
+            <a:outerShdw blurRad="57150" dist="19050" dir="5400000" algn="ctr" rotWithShape="0">
+              <a:srgbClr val="000000">
+                <a:alpha val="63000"/>
+              </a:srgbClr>
+            </a:outerShdw>
+          </a:effectLst>
+        </a:effectStyle>
+      </a:effectStyleLst>
+      <a:bgFillStyleLst>
+        <a:solidFill>
+          <a:schemeClr val="phClr"/>
+        </a:solidFill>
+        <a:solidFill>
+          <a:schemeClr val="phClr">
+            <a:tint val="95000"/>
+            <a:satMod val="170000"/>
+          </a:schemeClr>
+        </a:solidFill>
+        <a:gradFill rotWithShape="1">
+          <a:gsLst>
+            <a:gs pos="0">
+              <a:schemeClr val="phClr">
+                <a:tint val="93000"/>
+                <a:satMod val="150000"/>
+                <a:shade val="98000"/>
+                <a:lumMod val="102000"/>
+              </a:schemeClr>
+            </a:gs>
+            <a:gs pos="50000">
+              <a:schemeClr val="phClr">
+                <a:tint val="98000"/>
+                <a:satMod val="130000"/>
+                <a:shade val="90000"/>
+                <a:lumMod val="103000"/>
+              </a:schemeClr>
+            </a:gs>
+            <a:gs pos="100000">
+              <a:schemeClr val="phClr">
+                <a:shade val="63000"/>
+                <a:satMod val="120000"/>
+              </a:schemeClr>
+            </a:gs>
+          </a:gsLst>
+          <a:lin ang="5400000" scaled="0"/>
+        </a:gradFill>
+      </a:bgFillStyleLst>
+    </a:fmtScheme>
+  </a:themeElements>
+  <a:objectDefaults/>
+  <a:extraClrSchemeLst/>
+  <a:extLst>
+    <a:ext uri="{05A4C25C-085E-4340-85A3-A5531E510DB2}">
+      <thm15:themeFamily xmlns:thm15="http://schemas.microsoft.com/office/thememl/2012/main" name="Office Theme" id="{62F939B6-93AF-4DB8-9C6B-D6C7DFDC589F}" vid="{4A3C46E8-61CC-4603-A589-7422A47A8E4A}"/>
+    </a:ext>
+  </a:extLst>
+</a:theme>
+</file>
+
+<file path=ppt/theme/theme3.xml><?xml version="1.0" encoding="utf-8"?>
+<a:theme xmlns:a="http://schemas.openxmlformats.org/drawingml/2006/main" name="Thème Office">
+  <a:themeElements>
+    <a:clrScheme name="Office">
+      <a:dk1>
+        <a:sysClr val="windowText" lastClr="000000"/>
+      </a:dk1>
+      <a:lt1>
+        <a:sysClr val="window" lastClr="FFFFFF"/>
+      </a:lt1>
+      <a:dk2>
+        <a:srgbClr val="44546A"/>
+      </a:dk2>
+      <a:lt2>
+        <a:srgbClr val="E7E6E6"/>
+      </a:lt2>
+      <a:accent1>
+        <a:srgbClr val="5B9BD5"/>
+      </a:accent1>
+      <a:accent2>
+        <a:srgbClr val="ED7D31"/>
+      </a:accent2>
+      <a:accent3>
+        <a:srgbClr val="A5A5A5"/>
+      </a:accent3>
+      <a:accent4>
+        <a:srgbClr val="FFC000"/>
+      </a:accent4>
+      <a:accent5>
+        <a:srgbClr val="4472C4"/>
+      </a:accent5>
+      <a:accent6>
+        <a:srgbClr val="70AD47"/>
+      </a:accent6>
+      <a:hlink>
+        <a:srgbClr val="0563C1"/>
+      </a:hlink>
+      <a:folHlink>
+        <a:srgbClr val="954F72"/>
+      </a:folHlink>
+    </a:clrScheme>
+    <a:fontScheme name="Office">
+      <a:majorFont>
+        <a:latin typeface="Calibri Light" panose="020F0302020204030204"/>
+        <a:ea typeface=""/>
+        <a:cs typeface=""/>
+        <a:font script="Jpan" typeface="ＭＳ Ｐゴシック"/>
+        <a:font script="Hang" typeface="맑은 고딕"/>
+        <a:font script="Hans" typeface="宋体"/>
+        <a:font script="Hant" typeface="新細明體"/>
+        <a:font script="Arab" typeface="Times New Roman"/>
+        <a:font script="Hebr" typeface="Times New Roman"/>
+        <a:font script="Thai" typeface="Angsana New"/>
+        <a:font script="Ethi" typeface="Nyala"/>
+        <a:font script="Beng" typeface="Vrinda"/>
+        <a:font script="Gujr" typeface="Shruti"/>
+        <a:font script="Khmr" typeface="MoolBoran"/>
+        <a:font script="Knda" typeface="Tunga"/>
+        <a:font script="Guru" typeface="Raavi"/>
+        <a:font script="Cans" typeface="Euphemia"/>
+        <a:font script="Cher" typeface="Plantagenet Cherokee"/>
+        <a:font script="Yiii" typeface="Microsoft Yi Baiti"/>
+        <a:font script="Tibt" typeface="Microsoft Himalaya"/>
+        <a:font script="Thaa" typeface="MV Boli"/>
+        <a:font script="Deva" typeface="Mangal"/>
+        <a:font script="Telu" typeface="Gautami"/>
+        <a:font script="Taml" typeface="Latha"/>
+        <a:font script="Syrc" typeface="Estrangelo Edessa"/>
+        <a:font script="Orya" typeface="Kalinga"/>
+        <a:font script="Mlym" typeface="Kartika"/>
+        <a:font script="Laoo" typeface="DokChampa"/>
+        <a:font script="Sinh" typeface="Iskoola Pota"/>
+        <a:font script="Mong" typeface="Mongolian Baiti"/>
+        <a:font script="Viet" typeface="Times New Roman"/>
+        <a:font script="Uigh" typeface="Microsoft Uighur"/>
+        <a:font script="Geor" typeface="Sylfaen"/>
+      </a:majorFont>
+      <a:minorFont>
+        <a:latin typeface="Calibri" panose="020F0502020204030204"/>
+        <a:ea typeface=""/>
+        <a:cs typeface=""/>
+        <a:font script="Jpan" typeface="ＭＳ Ｐゴシック"/>
+        <a:font script="Hang" typeface="맑은 고딕"/>
+        <a:font script="Hans" typeface="宋体"/>
+        <a:font script="Hant" typeface="新細明體"/>
+        <a:font script="Arab" typeface="Arial"/>
+        <a:font script="Hebr" typeface="Arial"/>
+        <a:font script="Thai" typeface="Cordia New"/>
+        <a:font script="Ethi" typeface="Nyala"/>
+        <a:font script="Beng" typeface="Vrinda"/>
+        <a:font script="Gujr" typeface="Shruti"/>
+        <a:font script="Khmr" typeface="DaunPenh"/>
+        <a:font script="Knda" typeface="Tunga"/>
+        <a:font script="Guru" typeface="Raavi"/>
+        <a:font script="Cans" typeface="Euphemia"/>
+        <a:font script="Cher" typeface="Plantagenet Cherokee"/>
+        <a:font script="Yiii" typeface="Microsoft Yi Baiti"/>
+        <a:font script="Tibt" typeface="Microsoft Himalaya"/>
+        <a:font script="Thaa" typeface="MV Boli"/>
+        <a:font script="Deva" typeface="Mangal"/>
+        <a:font script="Telu" typeface="Gautami"/>
+        <a:font script="Taml" typeface="Latha"/>
+        <a:font script="Syrc" typeface="Estrangelo Edessa"/>
+        <a:font script="Orya" typeface="Kalinga"/>
+        <a:font script="Mlym" typeface="Kartika"/>
+        <a:font script="Laoo" typeface="DokChampa"/>
+        <a:font script="Sinh" typeface="Iskoola Pota"/>
+        <a:font script="Mong" typeface="Mongolian Baiti"/>
+        <a:font script="Viet" typeface="Arial"/>
+        <a:font script="Uigh" typeface="Microsoft Uighur"/>
+        <a:font script="Geor" typeface="Sylfaen"/>
+      </a:minorFont>
+    </a:fontScheme>
+    <a:fmtScheme name="Office">
+      <a:fillStyleLst>
+        <a:solidFill>
+          <a:schemeClr val="phClr"/>
+        </a:solidFill>
+        <a:gradFill rotWithShape="1">
+          <a:gsLst>
+            <a:gs pos="0">
+              <a:schemeClr val="phClr">
+                <a:lumMod val="110000"/>
+                <a:satMod val="105000"/>
+                <a:tint val="67000"/>
+              </a:schemeClr>
+            </a:gs>
+            <a:gs pos="50000">
+              <a:schemeClr val="phClr">
+                <a:lumMod val="105000"/>
+                <a:satMod val="103000"/>
+                <a:tint val="73000"/>
+              </a:schemeClr>
+            </a:gs>
+            <a:gs pos="100000">
+              <a:schemeClr val="phClr">
+                <a:lumMod val="105000"/>
+                <a:satMod val="109000"/>
+                <a:tint val="81000"/>
+              </a:schemeClr>
+            </a:gs>
+          </a:gsLst>
+          <a:lin ang="5400000" scaled="0"/>
+        </a:gradFill>
+        <a:gradFill rotWithShape="1">
+          <a:gsLst>
+            <a:gs pos="0">
+              <a:schemeClr val="phClr">
+                <a:satMod val="103000"/>
+                <a:lumMod val="102000"/>
+                <a:tint val="94000"/>
+              </a:schemeClr>
+            </a:gs>
+            <a:gs pos="50000">
+              <a:schemeClr val="phClr">
+                <a:satMod val="110000"/>
+                <a:lumMod val="100000"/>
+                <a:shade val="100000"/>
+              </a:schemeClr>
+            </a:gs>
+            <a:gs pos="100000">
+              <a:schemeClr val="phClr">
+                <a:lumMod val="99000"/>
+                <a:satMod val="120000"/>
+                <a:shade val="78000"/>
+              </a:schemeClr>
+            </a:gs>
+          </a:gsLst>
+          <a:lin ang="5400000" scaled="0"/>
+        </a:gradFill>
+      </a:fillStyleLst>
+      <a:lnStyleLst>
+        <a:ln w="6350" cap="flat" cmpd="sng" algn="ctr">
+          <a:solidFill>
+            <a:schemeClr val="phClr"/>
+          </a:solidFill>
+          <a:prstDash val="solid"/>
+          <a:miter lim="800000"/>
+        </a:ln>
+        <a:ln w="12700" cap="flat" cmpd="sng" algn="ctr">
+          <a:solidFill>
+            <a:schemeClr val="phClr"/>
+          </a:solidFill>
+          <a:prstDash val="solid"/>
+          <a:miter lim="800000"/>
+        </a:ln>
+        <a:ln w="19050" cap="flat" cmpd="sng" algn="ctr">
+          <a:solidFill>
+            <a:schemeClr val="phClr"/>
+          </a:solidFill>
+          <a:prstDash val="solid"/>
+          <a:miter lim="800000"/>
+        </a:ln>
+      </a:lnStyleLst>
+      <a:effectStyleLst>
+        <a:effectStyle>
+          <a:effectLst/>
+        </a:effectStyle>
+        <a:effectStyle>
+          <a:effectLst/>
+        </a:effectStyle>
+        <a:effectStyle>
+          <a:effectLst>
+            <a:outerShdw blurRad="57150" dist="19050" dir="5400000" algn="ctr" rotWithShape="0">
+              <a:srgbClr val="000000">
+                <a:alpha val="63000"/>
+              </a:srgbClr>
+            </a:outerShdw>
+          </a:effectLst>
+        </a:effectStyle>
+      </a:effectStyleLst>
+      <a:bgFillStyleLst>
+        <a:solidFill>
+          <a:schemeClr val="phClr"/>
+        </a:solidFill>
+        <a:solidFill>
+          <a:schemeClr val="phClr">
+            <a:tint val="95000"/>
+            <a:satMod val="170000"/>
+          </a:schemeClr>
+        </a:solidFill>
+        <a:gradFill rotWithShape="1">
+          <a:gsLst>
+            <a:gs pos="0">
+              <a:schemeClr val="phClr">
+                <a:tint val="93000"/>
+                <a:satMod val="150000"/>
+                <a:shade val="98000"/>
+                <a:lumMod val="102000"/>
+              </a:schemeClr>
+            </a:gs>
+            <a:gs pos="50000">
+              <a:schemeClr val="phClr">
+                <a:tint val="98000"/>
+                <a:satMod val="130000"/>
+                <a:shade val="90000"/>
+                <a:lumMod val="103000"/>
+              </a:schemeClr>
+            </a:gs>
+            <a:gs pos="100000">
+              <a:schemeClr val="phClr">
+                <a:shade val="63000"/>
+                <a:satMod val="120000"/>
+              </a:schemeClr>
+            </a:gs>
+          </a:gsLst>
+          <a:lin ang="5400000" scaled="0"/>
+        </a:gradFill>
+      </a:bgFillStyleLst>
+    </a:fmtScheme>
+  </a:themeElements>
+  <a:objectDefaults/>
+  <a:extraClrSchemeLst/>
+  <a:extLst>
+    <a:ext uri="{05A4C25C-085E-4340-85A3-A5531E510DB2}">
+      <thm15:themeFamily xmlns:thm15="http://schemas.microsoft.com/office/thememl/2012/main" name="Office Theme" id="{62F939B6-93AF-4DB8-9C6B-D6C7DFDC589F}" vid="{4A3C46E8-61CC-4603-A589-7422A47A8E4A}"/>
+    </a:ext>
+  </a:extLst>
+</a:theme>
 </file>
--- a/Création d’un Morpion en C++.pptx
+++ b/Création d’un Morpion en C++.pptx
@@ -7245,34 +7245,6 @@
             <a:pPr marL="0" indent="0">
               <a:buNone/>
             </a:pPr>
-            <a:endParaRPr lang="fr-FR" dirty="0"/>
-          </a:p>
-          <a:p>
-            <a:pPr marL="0" indent="0">
-              <a:buNone/>
-            </a:pPr>
-            <a:r>
-              <a:rPr lang="fr-FR" dirty="0" smtClean="0"/>
-              <a:t>Un plateau de jeu b1 est crée dans les</a:t>
-            </a:r>
-          </a:p>
-          <a:p>
-            <a:pPr marL="0" indent="0">
-              <a:buNone/>
-            </a:pPr>
-            <a:r>
-              <a:rPr lang="fr-FR" dirty="0" smtClean="0"/>
-              <a:t>attributs privés de la classe App. C’est sur ce</a:t>
-            </a:r>
-          </a:p>
-          <a:p>
-            <a:pPr marL="0" indent="0">
-              <a:buNone/>
-            </a:pPr>
-            <a:r>
-              <a:rPr lang="fr-FR" dirty="0" smtClean="0"/>
-              <a:t>plateau b1 que la partie se déroulera.</a:t>
-            </a:r>
             <a:endParaRPr lang="fr-FR" dirty="0"/>
           </a:p>
         </p:txBody>
